--- a/Document/린캠퍼스.pptx
+++ b/Document/린캠퍼스.pptx
@@ -6,14 +6,13 @@
     <p:sldMasterId id="2147483825" r:id="rId2"/>
   </p:sldMasterIdLst>
   <p:notesMasterIdLst>
-    <p:notesMasterId r:id="rId5"/>
+    <p:notesMasterId r:id="rId4"/>
   </p:notesMasterIdLst>
   <p:handoutMasterIdLst>
-    <p:handoutMasterId r:id="rId6"/>
+    <p:handoutMasterId r:id="rId5"/>
   </p:handoutMasterIdLst>
   <p:sldIdLst>
     <p:sldId id="590" r:id="rId3"/>
-    <p:sldId id="591" r:id="rId4"/>
   </p:sldIdLst>
   <p:sldSz cx="9906000" cy="6858000" type="A4"/>
   <p:notesSz cx="9926638" cy="6797675"/>
@@ -376,7 +375,7 @@
     </p:spTree>
     <p:extLst>
       <p:ext uri="{BB962C8B-B14F-4D97-AF65-F5344CB8AC3E}">
-        <p14:creationId xmlns="" xmlns:p14="http://schemas.microsoft.com/office/powerpoint/2010/main" val="1819065085"/>
+        <p14:creationId xmlns:p14="http://schemas.microsoft.com/office/powerpoint/2010/main" xmlns="" val="1819065085"/>
       </p:ext>
     </p:extLst>
   </p:cSld>
@@ -715,7 +714,7 @@
     </p:spTree>
     <p:extLst>
       <p:ext uri="{BB962C8B-B14F-4D97-AF65-F5344CB8AC3E}">
-        <p14:creationId xmlns="" xmlns:p14="http://schemas.microsoft.com/office/powerpoint/2010/main" val="3321611981"/>
+        <p14:creationId xmlns:p14="http://schemas.microsoft.com/office/powerpoint/2010/main" xmlns="" val="3321611981"/>
       </p:ext>
     </p:extLst>
   </p:cSld>
@@ -865,7 +864,7 @@
     </p:spTree>
     <p:extLst>
       <p:ext uri="{BB962C8B-B14F-4D97-AF65-F5344CB8AC3E}">
-        <p14:creationId xmlns="" xmlns:p14="http://schemas.microsoft.com/office/powerpoint/2010/main" val="1414140305"/>
+        <p14:creationId xmlns:p14="http://schemas.microsoft.com/office/powerpoint/2010/main" xmlns="" val="1414140305"/>
       </p:ext>
     </p:extLst>
   </p:cSld>
@@ -902,7 +901,7 @@
     </p:spTree>
     <p:extLst>
       <p:ext uri="{BB962C8B-B14F-4D97-AF65-F5344CB8AC3E}">
-        <p14:creationId xmlns="" xmlns:p14="http://schemas.microsoft.com/office/powerpoint/2010/main" val="3875185433"/>
+        <p14:creationId xmlns:p14="http://schemas.microsoft.com/office/powerpoint/2010/main" xmlns="" val="3875185433"/>
       </p:ext>
     </p:extLst>
   </p:cSld>
@@ -1069,7 +1068,7 @@
     </p:spTree>
     <p:extLst>
       <p:ext uri="{BB962C8B-B14F-4D97-AF65-F5344CB8AC3E}">
-        <p14:creationId xmlns="" xmlns:p14="http://schemas.microsoft.com/office/powerpoint/2010/main" val="1192627898"/>
+        <p14:creationId xmlns:p14="http://schemas.microsoft.com/office/powerpoint/2010/main" xmlns="" val="1192627898"/>
       </p:ext>
     </p:extLst>
   </p:cSld>
@@ -1129,7 +1128,7 @@
     </p:spTree>
     <p:extLst>
       <p:ext uri="{BB962C8B-B14F-4D97-AF65-F5344CB8AC3E}">
-        <p14:creationId xmlns="" xmlns:p14="http://schemas.microsoft.com/office/powerpoint/2010/main" val="3450797336"/>
+        <p14:creationId xmlns:p14="http://schemas.microsoft.com/office/powerpoint/2010/main" xmlns="" val="3450797336"/>
       </p:ext>
     </p:extLst>
   </p:cSld>
@@ -1296,7 +1295,7 @@
     </p:spTree>
     <p:extLst>
       <p:ext uri="{BB962C8B-B14F-4D97-AF65-F5344CB8AC3E}">
-        <p14:creationId xmlns="" xmlns:p14="http://schemas.microsoft.com/office/powerpoint/2010/main" val="3343740436"/>
+        <p14:creationId xmlns:p14="http://schemas.microsoft.com/office/powerpoint/2010/main" xmlns="" val="3343740436"/>
       </p:ext>
     </p:extLst>
   </p:cSld>
@@ -1383,7 +1382,7 @@
     </p:spTree>
     <p:extLst>
       <p:ext uri="{BB962C8B-B14F-4D97-AF65-F5344CB8AC3E}">
-        <p14:creationId xmlns="" xmlns:p14="http://schemas.microsoft.com/office/powerpoint/2010/main" val="3723094533"/>
+        <p14:creationId xmlns:p14="http://schemas.microsoft.com/office/powerpoint/2010/main" xmlns="" val="3723094533"/>
       </p:ext>
     </p:extLst>
   </p:cSld>
@@ -1523,7 +1522,7 @@
     </p:spTree>
     <p:extLst>
       <p:ext uri="{BB962C8B-B14F-4D97-AF65-F5344CB8AC3E}">
-        <p14:creationId xmlns="" xmlns:p14="http://schemas.microsoft.com/office/powerpoint/2010/main" val="3894134480"/>
+        <p14:creationId xmlns:p14="http://schemas.microsoft.com/office/powerpoint/2010/main" xmlns="" val="3894134480"/>
       </p:ext>
     </p:extLst>
   </p:cSld>
@@ -1571,7 +1570,7 @@
           <a:blip r:embed="rId4" cstate="print">
             <a:extLst>
               <a:ext uri="{28A0092B-C50C-407E-A947-70E740481C1C}">
-                <a14:useLocalDpi xmlns="" xmlns:a14="http://schemas.microsoft.com/office/drawing/2010/main" val="0"/>
+                <a14:useLocalDpi xmlns:a14="http://schemas.microsoft.com/office/drawing/2010/main" xmlns="" val="0"/>
               </a:ext>
             </a:extLst>
           </a:blip>
@@ -1595,14 +1594,14 @@
           <a:effectLst/>
           <a:extLst>
             <a:ext uri="{909E8E84-426E-40DD-AFC4-6F175D3DCCD1}">
-              <a14:hiddenFill xmlns="" xmlns:a14="http://schemas.microsoft.com/office/drawing/2010/main">
+              <a14:hiddenFill xmlns:a14="http://schemas.microsoft.com/office/drawing/2010/main" xmlns="">
                 <a:solidFill>
                   <a:schemeClr val="accent1"/>
                 </a:solidFill>
               </a14:hiddenFill>
             </a:ext>
             <a:ext uri="{91240B29-F687-4F45-9708-019B960494DF}">
-              <a14:hiddenLine xmlns="" xmlns:a14="http://schemas.microsoft.com/office/drawing/2010/main" w="9525">
+              <a14:hiddenLine xmlns:a14="http://schemas.microsoft.com/office/drawing/2010/main" xmlns="" w="9525">
                 <a:solidFill>
                   <a:schemeClr val="tx1"/>
                 </a:solidFill>
@@ -1612,7 +1611,7 @@
               </a14:hiddenLine>
             </a:ext>
             <a:ext uri="{AF507438-7753-43E0-B8FC-AC1667EBCBE1}">
-              <a14:hiddenEffects xmlns="" xmlns:a14="http://schemas.microsoft.com/office/drawing/2010/main">
+              <a14:hiddenEffects xmlns:a14="http://schemas.microsoft.com/office/drawing/2010/main" xmlns="">
                 <a:effectLst>
                   <a:outerShdw dist="35921" dir="2700000" algn="ctr" rotWithShape="0">
                     <a:schemeClr val="bg2"/>
@@ -1626,7 +1625,7 @@
     </p:spTree>
     <p:extLst>
       <p:ext uri="{BB962C8B-B14F-4D97-AF65-F5344CB8AC3E}">
-        <p14:creationId xmlns="" xmlns:p14="http://schemas.microsoft.com/office/powerpoint/2010/main" val="3947855887"/>
+        <p14:creationId xmlns:p14="http://schemas.microsoft.com/office/powerpoint/2010/main" xmlns="" val="3947855887"/>
       </p:ext>
     </p:extLst>
   </p:cSld>
@@ -2392,7 +2391,7 @@
           <a:blip r:embed="rId7" cstate="print">
             <a:extLst>
               <a:ext uri="{28A0092B-C50C-407E-A947-70E740481C1C}">
-                <a14:useLocalDpi xmlns="" xmlns:a14="http://schemas.microsoft.com/office/drawing/2010/main" val="0"/>
+                <a14:useLocalDpi xmlns:a14="http://schemas.microsoft.com/office/drawing/2010/main" xmlns="" val="0"/>
               </a:ext>
             </a:extLst>
           </a:blip>
@@ -2416,14 +2415,14 @@
           <a:effectLst/>
           <a:extLst>
             <a:ext uri="{909E8E84-426E-40DD-AFC4-6F175D3DCCD1}">
-              <a14:hiddenFill xmlns="" xmlns:a14="http://schemas.microsoft.com/office/drawing/2010/main">
+              <a14:hiddenFill xmlns:a14="http://schemas.microsoft.com/office/drawing/2010/main" xmlns="">
                 <a:solidFill>
                   <a:schemeClr val="accent1"/>
                 </a:solidFill>
               </a14:hiddenFill>
             </a:ext>
             <a:ext uri="{91240B29-F687-4F45-9708-019B960494DF}">
-              <a14:hiddenLine xmlns="" xmlns:a14="http://schemas.microsoft.com/office/drawing/2010/main" w="9525">
+              <a14:hiddenLine xmlns:a14="http://schemas.microsoft.com/office/drawing/2010/main" xmlns="" w="9525">
                 <a:solidFill>
                   <a:schemeClr val="tx1"/>
                 </a:solidFill>
@@ -2433,7 +2432,7 @@
               </a14:hiddenLine>
             </a:ext>
             <a:ext uri="{AF507438-7753-43E0-B8FC-AC1667EBCBE1}">
-              <a14:hiddenEffects xmlns="" xmlns:a14="http://schemas.microsoft.com/office/drawing/2010/main">
+              <a14:hiddenEffects xmlns:a14="http://schemas.microsoft.com/office/drawing/2010/main" xmlns="">
                 <a:effectLst>
                   <a:outerShdw dist="35921" dir="2700000" algn="ctr" rotWithShape="0">
                     <a:schemeClr val="bg2"/>
@@ -2447,7 +2446,7 @@
     </p:spTree>
     <p:extLst>
       <p:ext uri="{BB962C8B-B14F-4D97-AF65-F5344CB8AC3E}">
-        <p14:creationId xmlns="" xmlns:p14="http://schemas.microsoft.com/office/powerpoint/2010/main" val="4197980646"/>
+        <p14:creationId xmlns:p14="http://schemas.microsoft.com/office/powerpoint/2010/main" xmlns="" val="4197980646"/>
       </p:ext>
     </p:extLst>
   </p:cSld>
@@ -2945,7 +2944,7 @@
             <p:ph idx="1"/>
             <p:extLst>
               <p:ext uri="{D42A27DB-BD31-4B8C-83A1-F6EECF244321}">
-                <p14:modId xmlns="" xmlns:p14="http://schemas.microsoft.com/office/powerpoint/2010/main" val="75210810"/>
+                <p14:modId xmlns:p14="http://schemas.microsoft.com/office/powerpoint/2010/main" xmlns="" val="75210810"/>
               </p:ext>
             </p:extLst>
           </p:nvPr>
@@ -3207,14 +3206,7 @@
                           <a:latin typeface="+mn-ea"/>
                           <a:ea typeface="+mn-ea"/>
                         </a:rPr>
-                        <a:t>기존 </a:t>
-                      </a:r>
-                      <a:r>
-                        <a:rPr lang="ko-KR" altLang="en-US" sz="1400" b="1" dirty="0" smtClean="0">
-                          <a:latin typeface="+mn-ea"/>
-                          <a:ea typeface="+mn-ea"/>
-                        </a:rPr>
-                        <a:t>대안</a:t>
+                        <a:t>기존 대안</a:t>
                       </a:r>
                       <a:endParaRPr lang="en-US" altLang="ko-KR" sz="1400" b="1" dirty="0" smtClean="0">
                         <a:latin typeface="+mn-ea"/>
@@ -3581,14 +3573,7 @@
                           <a:latin typeface="+mn-ea"/>
                           <a:ea typeface="+mn-ea"/>
                         </a:rPr>
-                        <a:t>상위 </a:t>
-                      </a:r>
-                      <a:r>
-                        <a:rPr lang="ko-KR" altLang="en-US" sz="1400" b="1" dirty="0" smtClean="0">
-                          <a:latin typeface="+mn-ea"/>
-                          <a:ea typeface="+mn-ea"/>
-                        </a:rPr>
-                        <a:t>개념</a:t>
+                        <a:t>상위 개념</a:t>
                       </a:r>
                       <a:endParaRPr lang="en-US" altLang="ko-KR" sz="1400" b="1" dirty="0" smtClean="0">
                         <a:latin typeface="+mn-ea"/>
@@ -3625,10 +3610,6 @@
                         </a:rPr>
                         <a:t>-Microsoft Outlook</a:t>
                       </a:r>
-                      <a:endParaRPr lang="en-US" altLang="ko-KR" sz="1400" b="0" dirty="0" smtClean="0">
-                        <a:latin typeface="+mn-ea"/>
-                        <a:ea typeface="+mn-ea"/>
-                      </a:endParaRPr>
                     </a:p>
                   </a:txBody>
                   <a:tcPr>
@@ -3692,14 +3673,7 @@
                           <a:latin typeface="+mn-ea"/>
                           <a:ea typeface="+mn-ea"/>
                         </a:rPr>
-                        <a:t>경쟁 </a:t>
-                      </a:r>
-                      <a:r>
-                        <a:rPr lang="ko-KR" altLang="en-US" sz="1400" b="1" dirty="0" smtClean="0">
-                          <a:latin typeface="+mn-ea"/>
-                          <a:ea typeface="+mn-ea"/>
-                        </a:rPr>
-                        <a:t>우위</a:t>
+                        <a:t>경쟁 우위</a:t>
                       </a:r>
                       <a:endParaRPr lang="en-US" altLang="ko-KR" sz="1400" b="1" dirty="0" smtClean="0">
                         <a:latin typeface="+mn-ea"/>
@@ -4727,1322 +4701,7 @@
     </p:spTree>
     <p:extLst>
       <p:ext uri="{BB962C8B-B14F-4D97-AF65-F5344CB8AC3E}">
-        <p14:creationId xmlns="" xmlns:p14="http://schemas.microsoft.com/office/powerpoint/2010/main" val="511367093"/>
-      </p:ext>
-    </p:extLst>
-  </p:cSld>
-  <p:clrMapOvr>
-    <a:masterClrMapping/>
-  </p:clrMapOvr>
-  <p:timing>
-    <p:tnLst>
-      <p:par>
-        <p:cTn id="1" dur="indefinite" restart="never" nodeType="tmRoot"/>
-      </p:par>
-    </p:tnLst>
-  </p:timing>
-</p:sld>
-</file>
-
-<file path=ppt/slides/slide2.xml><?xml version="1.0" encoding="utf-8"?>
-<p:sld xmlns:a="http://schemas.openxmlformats.org/drawingml/2006/main" xmlns:r="http://schemas.openxmlformats.org/officeDocument/2006/relationships" xmlns:p="http://schemas.openxmlformats.org/presentationml/2006/main">
-  <p:cSld>
-    <p:spTree>
-      <p:nvGrpSpPr>
-        <p:cNvPr id="1" name=""/>
-        <p:cNvGrpSpPr/>
-        <p:nvPr/>
-      </p:nvGrpSpPr>
-      <p:grpSpPr>
-        <a:xfrm>
-          <a:off x="0" y="0"/>
-          <a:ext cx="0" cy="0"/>
-          <a:chOff x="0" y="0"/>
-          <a:chExt cx="0" cy="0"/>
-        </a:xfrm>
-      </p:grpSpPr>
-      <p:sp>
-        <p:nvSpPr>
-          <p:cNvPr id="2" name="제목 1"/>
-          <p:cNvSpPr>
-            <a:spLocks noGrp="1"/>
-          </p:cNvSpPr>
-          <p:nvPr>
-            <p:ph type="title"/>
-          </p:nvPr>
-        </p:nvSpPr>
-        <p:spPr>
-          <a:xfrm>
-            <a:off x="344488" y="404664"/>
-            <a:ext cx="6102350" cy="274638"/>
-          </a:xfrm>
-        </p:spPr>
-        <p:txBody>
-          <a:bodyPr/>
-          <a:lstStyle/>
-          <a:p>
-            <a:r>
-              <a:rPr lang="ko-KR" altLang="en-US" dirty="0" smtClean="0"/>
-              <a:t>비즈니스 모델 </a:t>
-            </a:r>
-            <a:r>
-              <a:rPr lang="en-US" altLang="ko-KR" dirty="0" smtClean="0"/>
-              <a:t>- </a:t>
-            </a:r>
-            <a:r>
-              <a:rPr lang="ko-KR" altLang="en-US" dirty="0" smtClean="0"/>
-              <a:t>사례 </a:t>
-            </a:r>
-            <a:r>
-              <a:rPr lang="en-US" altLang="ko-KR" dirty="0" smtClean="0"/>
-              <a:t>2 (</a:t>
-            </a:r>
-            <a:r>
-              <a:rPr lang="ko-KR" altLang="en-US" sz="1400" dirty="0" err="1" smtClean="0"/>
-              <a:t>알림장</a:t>
-            </a:r>
-            <a:r>
-              <a:rPr lang="en-US" altLang="ko-KR" dirty="0" smtClean="0"/>
-              <a:t>)</a:t>
-            </a:r>
-            <a:endParaRPr lang="ko-KR" altLang="en-US" dirty="0"/>
-          </a:p>
-        </p:txBody>
-      </p:sp>
-      <p:graphicFrame>
-        <p:nvGraphicFramePr>
-          <p:cNvPr id="4" name="내용 개체 틀 3"/>
-          <p:cNvGraphicFramePr>
-            <a:graphicFrameLocks noGrp="1"/>
-          </p:cNvGraphicFramePr>
-          <p:nvPr>
-            <p:ph idx="1"/>
-            <p:extLst>
-              <p:ext uri="{D42A27DB-BD31-4B8C-83A1-F6EECF244321}">
-                <p14:modId xmlns="" xmlns:p14="http://schemas.microsoft.com/office/powerpoint/2010/main" val="75210810"/>
-              </p:ext>
-            </p:extLst>
-          </p:nvPr>
-        </p:nvGraphicFramePr>
-        <p:xfrm>
-          <a:off x="344490" y="1196751"/>
-          <a:ext cx="9073006" cy="5040561"/>
-        </p:xfrm>
-        <a:graphic>
-          <a:graphicData uri="http://schemas.openxmlformats.org/drawingml/2006/table">
-            <a:tbl>
-              <a:tblPr firstRow="1" bandRow="1">
-                <a:tableStyleId>{2D5ABB26-0587-4C30-8999-92F81FD0307C}</a:tableStyleId>
-              </a:tblPr>
-              <a:tblGrid>
-                <a:gridCol w="1814601"/>
-                <a:gridCol w="1814601"/>
-                <a:gridCol w="907301"/>
-                <a:gridCol w="907301"/>
-                <a:gridCol w="1814601"/>
-                <a:gridCol w="1814601"/>
-              </a:tblGrid>
-              <a:tr h="1980221">
-                <a:tc rowSpan="2">
-                  <a:txBody>
-                    <a:bodyPr/>
-                    <a:lstStyle/>
-                    <a:p>
-                      <a:pPr latinLnBrk="1"/>
-                      <a:r>
-                        <a:rPr lang="ko-KR" altLang="en-US" sz="1400" b="1" dirty="0" smtClean="0">
-                          <a:latin typeface="+mn-ea"/>
-                          <a:ea typeface="+mn-ea"/>
-                        </a:rPr>
-                        <a:t>문제</a:t>
-                      </a:r>
-                      <a:endParaRPr lang="en-US" altLang="ko-KR" sz="1400" b="1" dirty="0" smtClean="0">
-                        <a:latin typeface="+mn-ea"/>
-                        <a:ea typeface="+mn-ea"/>
-                      </a:endParaRPr>
-                    </a:p>
-                    <a:p>
-                      <a:pPr latinLnBrk="1"/>
-                      <a:endParaRPr lang="en-US" altLang="ko-KR" sz="1400" b="0" baseline="0" dirty="0" smtClean="0">
-                        <a:latin typeface="+mn-ea"/>
-                        <a:ea typeface="+mn-ea"/>
-                      </a:endParaRPr>
-                    </a:p>
-                    <a:p>
-                      <a:pPr latinLnBrk="1"/>
-                      <a:r>
-                        <a:rPr lang="en-US" altLang="ko-KR" sz="1400" b="0" dirty="0" smtClean="0">
-                          <a:latin typeface="+mn-ea"/>
-                          <a:ea typeface="+mn-ea"/>
-                        </a:rPr>
-                        <a:t>-</a:t>
-                      </a:r>
-                      <a:r>
-                        <a:rPr lang="en-US" altLang="ko-KR" sz="1400" b="0" baseline="0" dirty="0" smtClean="0">
-                          <a:latin typeface="+mn-ea"/>
-                          <a:ea typeface="+mn-ea"/>
-                        </a:rPr>
-                        <a:t> </a:t>
-                      </a:r>
-                      <a:r>
-                        <a:rPr lang="ko-KR" altLang="en-US" sz="1400" b="0" baseline="0" dirty="0" smtClean="0">
-                          <a:latin typeface="+mn-ea"/>
-                          <a:ea typeface="+mn-ea"/>
-                        </a:rPr>
-                        <a:t>대외적 학교행사 및 </a:t>
-                      </a:r>
-                      <a:r>
-                        <a:rPr lang="ko-KR" altLang="en-US" sz="1400" b="0" baseline="0" dirty="0" err="1" smtClean="0">
-                          <a:latin typeface="+mn-ea"/>
-                          <a:ea typeface="+mn-ea"/>
-                        </a:rPr>
-                        <a:t>학급제반</a:t>
-                      </a:r>
-                      <a:r>
-                        <a:rPr lang="ko-KR" altLang="en-US" sz="1400" b="0" baseline="0" dirty="0" smtClean="0">
-                          <a:latin typeface="+mn-ea"/>
-                          <a:ea typeface="+mn-ea"/>
-                        </a:rPr>
-                        <a:t> 운영에 대한 </a:t>
-                      </a:r>
-                      <a:r>
-                        <a:rPr lang="ko-KR" altLang="en-US" sz="1400" b="0" dirty="0" smtClean="0">
-                          <a:latin typeface="+mn-ea"/>
-                          <a:ea typeface="+mn-ea"/>
-                        </a:rPr>
-                        <a:t>학부모간의 소통이 원활하지 못함</a:t>
-                      </a:r>
-                      <a:endParaRPr lang="en-US" altLang="ko-KR" sz="1400" b="0" dirty="0" smtClean="0">
-                        <a:latin typeface="+mn-ea"/>
-                        <a:ea typeface="+mn-ea"/>
-                      </a:endParaRPr>
-                    </a:p>
-                    <a:p>
-                      <a:pPr latinLnBrk="1"/>
-                      <a:endParaRPr lang="en-US" altLang="ko-KR" sz="1400" b="0" dirty="0" smtClean="0">
-                        <a:latin typeface="+mn-ea"/>
-                        <a:ea typeface="+mn-ea"/>
-                      </a:endParaRPr>
-                    </a:p>
-                    <a:p>
-                      <a:pPr latinLnBrk="1">
-                        <a:buFontTx/>
-                        <a:buChar char="-"/>
-                      </a:pPr>
-                      <a:r>
-                        <a:rPr lang="ko-KR" altLang="en-US" sz="1400" b="0" dirty="0" smtClean="0">
-                          <a:latin typeface="+mn-ea"/>
-                          <a:ea typeface="+mn-ea"/>
-                        </a:rPr>
-                        <a:t>다양한 외부 커뮤니티를 사용으로 인해 학년이 달라질 때마다 커뮤니티를 변경해야 함</a:t>
-                      </a:r>
-                      <a:endParaRPr lang="en-US" altLang="ko-KR" sz="1400" b="0" dirty="0" smtClean="0">
-                        <a:latin typeface="+mn-ea"/>
-                        <a:ea typeface="+mn-ea"/>
-                      </a:endParaRPr>
-                    </a:p>
-                    <a:p>
-                      <a:pPr latinLnBrk="1">
-                        <a:buFontTx/>
-                        <a:buNone/>
-                      </a:pPr>
-                      <a:endParaRPr lang="en-US" altLang="ko-KR" sz="1400" b="0" i="0" dirty="0" smtClean="0">
-                        <a:latin typeface="+mn-ea"/>
-                        <a:ea typeface="+mn-ea"/>
-                      </a:endParaRPr>
-                    </a:p>
-                    <a:p>
-                      <a:pPr latinLnBrk="1"/>
-                      <a:endParaRPr lang="en-US" altLang="ko-KR" sz="1400" b="0" dirty="0" smtClean="0">
-                        <a:latin typeface="+mn-ea"/>
-                        <a:ea typeface="+mn-ea"/>
-                      </a:endParaRPr>
-                    </a:p>
-                    <a:p>
-                      <a:pPr latinLnBrk="1"/>
-                      <a:r>
-                        <a:rPr lang="ko-KR" altLang="en-US" sz="1400" b="1" dirty="0" smtClean="0">
-                          <a:latin typeface="+mn-ea"/>
-                          <a:ea typeface="+mn-ea"/>
-                        </a:rPr>
-                        <a:t>기존 </a:t>
-                      </a:r>
-                      <a:r>
-                        <a:rPr lang="ko-KR" altLang="en-US" sz="1400" b="1" dirty="0" smtClean="0">
-                          <a:latin typeface="+mn-ea"/>
-                          <a:ea typeface="+mn-ea"/>
-                        </a:rPr>
-                        <a:t>대안</a:t>
-                      </a:r>
-                      <a:endParaRPr lang="en-US" altLang="ko-KR" sz="1400" b="1" dirty="0" smtClean="0">
-                        <a:latin typeface="+mn-ea"/>
-                        <a:ea typeface="+mn-ea"/>
-                      </a:endParaRPr>
-                    </a:p>
-                    <a:p>
-                      <a:pPr latinLnBrk="1"/>
-                      <a:r>
-                        <a:rPr lang="ko-KR" altLang="en-US" sz="1400" b="0" dirty="0" smtClean="0">
-                          <a:latin typeface="+mn-ea"/>
-                          <a:ea typeface="+mn-ea"/>
-                        </a:rPr>
-                        <a:t>종이 안내문 배부</a:t>
-                      </a:r>
-                      <a:endParaRPr lang="en-US" altLang="ko-KR" sz="1400" b="0" dirty="0" smtClean="0">
-                        <a:latin typeface="+mn-ea"/>
-                        <a:ea typeface="+mn-ea"/>
-                      </a:endParaRPr>
-                    </a:p>
-                    <a:p>
-                      <a:pPr latinLnBrk="1"/>
-                      <a:r>
-                        <a:rPr lang="ko-KR" altLang="en-US" sz="1400" b="0" dirty="0" smtClean="0">
-                          <a:latin typeface="+mn-ea"/>
-                          <a:ea typeface="+mn-ea"/>
-                        </a:rPr>
-                        <a:t>인터넷 카페 </a:t>
-                      </a:r>
-                      <a:endParaRPr lang="en-US" altLang="ko-KR" sz="1400" b="0" dirty="0" smtClean="0">
-                        <a:latin typeface="+mn-ea"/>
-                        <a:ea typeface="+mn-ea"/>
-                      </a:endParaRPr>
-                    </a:p>
-                    <a:p>
-                      <a:pPr latinLnBrk="1"/>
-                      <a:r>
-                        <a:rPr lang="ko-KR" altLang="en-US" sz="1400" b="0" dirty="0" err="1" smtClean="0">
-                          <a:latin typeface="+mn-ea"/>
-                          <a:ea typeface="+mn-ea"/>
-                        </a:rPr>
-                        <a:t>카카오톡</a:t>
-                      </a:r>
-                      <a:r>
-                        <a:rPr lang="ko-KR" altLang="en-US" sz="1400" b="0" dirty="0" smtClean="0">
-                          <a:latin typeface="+mn-ea"/>
-                          <a:ea typeface="+mn-ea"/>
-                        </a:rPr>
-                        <a:t> 그룹 채팅</a:t>
-                      </a:r>
-                      <a:endParaRPr lang="en-US" altLang="ko-KR" sz="1400" b="0" dirty="0" smtClean="0">
-                        <a:latin typeface="+mn-ea"/>
-                        <a:ea typeface="+mn-ea"/>
-                      </a:endParaRPr>
-                    </a:p>
-                  </a:txBody>
-                  <a:tcPr>
-                    <a:lnL w="3175" cap="flat" cmpd="sng" algn="ctr">
-                      <a:solidFill>
-                        <a:schemeClr val="tx1"/>
-                      </a:solidFill>
-                      <a:prstDash val="solid"/>
-                      <a:round/>
-                      <a:headEnd type="none" w="med" len="med"/>
-                      <a:tailEnd type="none" w="med" len="med"/>
-                    </a:lnL>
-                    <a:lnR w="3175" cap="flat" cmpd="sng" algn="ctr">
-                      <a:solidFill>
-                        <a:schemeClr val="tx1"/>
-                      </a:solidFill>
-                      <a:prstDash val="solid"/>
-                      <a:round/>
-                      <a:headEnd type="none" w="med" len="med"/>
-                      <a:tailEnd type="none" w="med" len="med"/>
-                    </a:lnR>
-                    <a:lnT w="3175" cap="flat" cmpd="sng" algn="ctr">
-                      <a:solidFill>
-                        <a:schemeClr val="tx1"/>
-                      </a:solidFill>
-                      <a:prstDash val="solid"/>
-                      <a:round/>
-                      <a:headEnd type="none" w="med" len="med"/>
-                      <a:tailEnd type="none" w="med" len="med"/>
-                    </a:lnT>
-                    <a:lnB w="3175" cap="flat" cmpd="sng" algn="ctr">
-                      <a:solidFill>
-                        <a:schemeClr val="tx1"/>
-                      </a:solidFill>
-                      <a:prstDash val="solid"/>
-                      <a:round/>
-                      <a:headEnd type="none" w="med" len="med"/>
-                      <a:tailEnd type="none" w="med" len="med"/>
-                    </a:lnB>
-                  </a:tcPr>
-                </a:tc>
-                <a:tc>
-                  <a:txBody>
-                    <a:bodyPr/>
-                    <a:lstStyle/>
-                    <a:p>
-                      <a:pPr latinLnBrk="1"/>
-                      <a:r>
-                        <a:rPr lang="ko-KR" altLang="en-US" sz="1400" b="1" dirty="0" smtClean="0">
-                          <a:latin typeface="+mn-ea"/>
-                          <a:ea typeface="+mn-ea"/>
-                        </a:rPr>
-                        <a:t>솔루션</a:t>
-                      </a:r>
-                      <a:endParaRPr lang="en-US" altLang="ko-KR" sz="1400" b="1" dirty="0" smtClean="0">
-                        <a:latin typeface="+mn-ea"/>
-                        <a:ea typeface="+mn-ea"/>
-                      </a:endParaRPr>
-                    </a:p>
-                    <a:p>
-                      <a:pPr latinLnBrk="1"/>
-                      <a:endParaRPr lang="en-US" altLang="ko-KR" sz="1400" b="0" dirty="0" smtClean="0">
-                        <a:latin typeface="+mn-ea"/>
-                        <a:ea typeface="+mn-ea"/>
-                      </a:endParaRPr>
-                    </a:p>
-                    <a:p>
-                      <a:pPr latinLnBrk="1"/>
-                      <a:endParaRPr lang="en-US" altLang="ko-KR" sz="1400" b="0" dirty="0" smtClean="0">
-                        <a:latin typeface="+mn-ea"/>
-                        <a:ea typeface="+mn-ea"/>
-                      </a:endParaRPr>
-                    </a:p>
-                  </a:txBody>
-                  <a:tcPr>
-                    <a:lnL w="3175" cap="flat" cmpd="sng" algn="ctr">
-                      <a:solidFill>
-                        <a:schemeClr val="tx1"/>
-                      </a:solidFill>
-                      <a:prstDash val="solid"/>
-                      <a:round/>
-                      <a:headEnd type="none" w="med" len="med"/>
-                      <a:tailEnd type="none" w="med" len="med"/>
-                    </a:lnL>
-                    <a:lnR w="3175" cap="flat" cmpd="sng" algn="ctr">
-                      <a:solidFill>
-                        <a:schemeClr val="tx1"/>
-                      </a:solidFill>
-                      <a:prstDash val="solid"/>
-                      <a:round/>
-                      <a:headEnd type="none" w="med" len="med"/>
-                      <a:tailEnd type="none" w="med" len="med"/>
-                    </a:lnR>
-                    <a:lnT w="3175" cap="flat" cmpd="sng" algn="ctr">
-                      <a:solidFill>
-                        <a:schemeClr val="tx1"/>
-                      </a:solidFill>
-                      <a:prstDash val="solid"/>
-                      <a:round/>
-                      <a:headEnd type="none" w="med" len="med"/>
-                      <a:tailEnd type="none" w="med" len="med"/>
-                    </a:lnT>
-                    <a:lnB w="3175" cap="flat" cmpd="sng" algn="ctr">
-                      <a:solidFill>
-                        <a:schemeClr val="tx1"/>
-                      </a:solidFill>
-                      <a:prstDash val="solid"/>
-                      <a:round/>
-                      <a:headEnd type="none" w="med" len="med"/>
-                      <a:tailEnd type="none" w="med" len="med"/>
-                    </a:lnB>
-                  </a:tcPr>
-                </a:tc>
-                <a:tc rowSpan="2" gridSpan="2">
-                  <a:txBody>
-                    <a:bodyPr/>
-                    <a:lstStyle/>
-                    <a:p>
-                      <a:pPr latinLnBrk="1"/>
-                      <a:r>
-                        <a:rPr lang="ko-KR" altLang="en-US" sz="1400" b="1" dirty="0" smtClean="0">
-                          <a:latin typeface="+mn-ea"/>
-                          <a:ea typeface="+mn-ea"/>
-                        </a:rPr>
-                        <a:t>고유의 가치제안</a:t>
-                      </a:r>
-                      <a:endParaRPr lang="en-US" altLang="ko-KR" sz="1400" b="0" dirty="0" smtClean="0">
-                        <a:latin typeface="+mn-ea"/>
-                        <a:ea typeface="+mn-ea"/>
-                      </a:endParaRPr>
-                    </a:p>
-                    <a:p>
-                      <a:pPr latinLnBrk="1"/>
-                      <a:endParaRPr lang="en-US" altLang="ko-KR" sz="1400" b="0" dirty="0" smtClean="0">
-                        <a:latin typeface="+mn-ea"/>
-                        <a:ea typeface="+mn-ea"/>
-                      </a:endParaRPr>
-                    </a:p>
-                    <a:p>
-                      <a:pPr latinLnBrk="1"/>
-                      <a:endParaRPr lang="en-US" altLang="ko-KR" sz="1400" b="0" dirty="0" smtClean="0">
-                        <a:latin typeface="+mn-ea"/>
-                        <a:ea typeface="+mn-ea"/>
-                      </a:endParaRPr>
-                    </a:p>
-                    <a:p>
-                      <a:pPr latinLnBrk="1"/>
-                      <a:endParaRPr lang="en-US" altLang="ko-KR" sz="1400" b="0" dirty="0" smtClean="0">
-                        <a:latin typeface="+mn-ea"/>
-                        <a:ea typeface="+mn-ea"/>
-                      </a:endParaRPr>
-                    </a:p>
-                    <a:p>
-                      <a:pPr latinLnBrk="1"/>
-                      <a:endParaRPr lang="en-US" altLang="ko-KR" sz="1400" b="0" dirty="0" smtClean="0">
-                        <a:latin typeface="+mn-ea"/>
-                        <a:ea typeface="+mn-ea"/>
-                      </a:endParaRPr>
-                    </a:p>
-                    <a:p>
-                      <a:pPr latinLnBrk="1"/>
-                      <a:endParaRPr lang="en-US" altLang="ko-KR" sz="1400" b="0" dirty="0" smtClean="0">
-                        <a:latin typeface="+mn-ea"/>
-                        <a:ea typeface="+mn-ea"/>
-                      </a:endParaRPr>
-                    </a:p>
-                    <a:p>
-                      <a:pPr latinLnBrk="1"/>
-                      <a:endParaRPr lang="en-US" altLang="ko-KR" sz="1400" b="0" dirty="0" smtClean="0">
-                        <a:latin typeface="+mn-ea"/>
-                        <a:ea typeface="+mn-ea"/>
-                      </a:endParaRPr>
-                    </a:p>
-                    <a:p>
-                      <a:pPr latinLnBrk="1"/>
-                      <a:endParaRPr lang="en-US" altLang="ko-KR" sz="1400" b="0" dirty="0" smtClean="0">
-                        <a:latin typeface="+mn-ea"/>
-                        <a:ea typeface="+mn-ea"/>
-                      </a:endParaRPr>
-                    </a:p>
-                    <a:p>
-                      <a:pPr latinLnBrk="1"/>
-                      <a:endParaRPr lang="en-US" altLang="ko-KR" sz="1400" b="0" dirty="0" smtClean="0">
-                        <a:latin typeface="+mn-ea"/>
-                        <a:ea typeface="+mn-ea"/>
-                      </a:endParaRPr>
-                    </a:p>
-                    <a:p>
-                      <a:pPr latinLnBrk="1"/>
-                      <a:endParaRPr lang="en-US" altLang="ko-KR" sz="1400" b="0" dirty="0" smtClean="0">
-                        <a:latin typeface="+mn-ea"/>
-                        <a:ea typeface="+mn-ea"/>
-                      </a:endParaRPr>
-                    </a:p>
-                    <a:p>
-                      <a:pPr latinLnBrk="1"/>
-                      <a:r>
-                        <a:rPr lang="ko-KR" altLang="en-US" sz="1400" b="1" dirty="0" smtClean="0">
-                          <a:latin typeface="+mn-ea"/>
-                          <a:ea typeface="+mn-ea"/>
-                        </a:rPr>
-                        <a:t>상위 개념</a:t>
-                      </a:r>
-                      <a:endParaRPr lang="en-US" altLang="ko-KR" sz="1400" b="0" dirty="0" smtClean="0">
-                        <a:latin typeface="+mn-ea"/>
-                        <a:ea typeface="+mn-ea"/>
-                      </a:endParaRPr>
-                    </a:p>
-                  </a:txBody>
-                  <a:tcPr>
-                    <a:lnL w="3175" cap="flat" cmpd="sng" algn="ctr">
-                      <a:solidFill>
-                        <a:schemeClr val="tx1"/>
-                      </a:solidFill>
-                      <a:prstDash val="solid"/>
-                      <a:round/>
-                      <a:headEnd type="none" w="med" len="med"/>
-                      <a:tailEnd type="none" w="med" len="med"/>
-                    </a:lnL>
-                    <a:lnR w="3175" cap="flat" cmpd="sng" algn="ctr">
-                      <a:solidFill>
-                        <a:schemeClr val="tx1"/>
-                      </a:solidFill>
-                      <a:prstDash val="solid"/>
-                      <a:round/>
-                      <a:headEnd type="none" w="med" len="med"/>
-                      <a:tailEnd type="none" w="med" len="med"/>
-                    </a:lnR>
-                    <a:lnT w="3175" cap="flat" cmpd="sng" algn="ctr">
-                      <a:solidFill>
-                        <a:schemeClr val="tx1"/>
-                      </a:solidFill>
-                      <a:prstDash val="solid"/>
-                      <a:round/>
-                      <a:headEnd type="none" w="med" len="med"/>
-                      <a:tailEnd type="none" w="med" len="med"/>
-                    </a:lnT>
-                    <a:lnB w="3175" cap="flat" cmpd="sng" algn="ctr">
-                      <a:solidFill>
-                        <a:schemeClr val="tx1"/>
-                      </a:solidFill>
-                      <a:prstDash val="solid"/>
-                      <a:round/>
-                      <a:headEnd type="none" w="med" len="med"/>
-                      <a:tailEnd type="none" w="med" len="med"/>
-                    </a:lnB>
-                  </a:tcPr>
-                </a:tc>
-                <a:tc rowSpan="2" hMerge="1">
-                  <a:txBody>
-                    <a:bodyPr/>
-                    <a:lstStyle/>
-                    <a:p>
-                      <a:pPr latinLnBrk="1"/>
-                      <a:endParaRPr lang="ko-KR" altLang="en-US"/>
-                    </a:p>
-                  </a:txBody>
-                  <a:tcPr/>
-                </a:tc>
-                <a:tc>
-                  <a:txBody>
-                    <a:bodyPr/>
-                    <a:lstStyle/>
-                    <a:p>
-                      <a:pPr latinLnBrk="1"/>
-                      <a:r>
-                        <a:rPr lang="ko-KR" altLang="en-US" sz="1400" b="1" dirty="0" smtClean="0">
-                          <a:latin typeface="+mn-ea"/>
-                          <a:ea typeface="+mn-ea"/>
-                        </a:rPr>
-                        <a:t>경쟁 우위</a:t>
-                      </a:r>
-                      <a:endParaRPr lang="en-US" altLang="ko-KR" sz="1400" b="1" dirty="0" smtClean="0">
-                        <a:latin typeface="+mn-ea"/>
-                        <a:ea typeface="+mn-ea"/>
-                      </a:endParaRPr>
-                    </a:p>
-                  </a:txBody>
-                  <a:tcPr>
-                    <a:lnL w="3175" cap="flat" cmpd="sng" algn="ctr">
-                      <a:solidFill>
-                        <a:schemeClr val="tx1"/>
-                      </a:solidFill>
-                      <a:prstDash val="solid"/>
-                      <a:round/>
-                      <a:headEnd type="none" w="med" len="med"/>
-                      <a:tailEnd type="none" w="med" len="med"/>
-                    </a:lnL>
-                    <a:lnR w="3175" cap="flat" cmpd="sng" algn="ctr">
-                      <a:solidFill>
-                        <a:schemeClr val="tx1"/>
-                      </a:solidFill>
-                      <a:prstDash val="solid"/>
-                      <a:round/>
-                      <a:headEnd type="none" w="med" len="med"/>
-                      <a:tailEnd type="none" w="med" len="med"/>
-                    </a:lnR>
-                    <a:lnT w="3175" cap="flat" cmpd="sng" algn="ctr">
-                      <a:solidFill>
-                        <a:schemeClr val="tx1"/>
-                      </a:solidFill>
-                      <a:prstDash val="solid"/>
-                      <a:round/>
-                      <a:headEnd type="none" w="med" len="med"/>
-                      <a:tailEnd type="none" w="med" len="med"/>
-                    </a:lnT>
-                    <a:lnB w="3175" cap="flat" cmpd="sng" algn="ctr">
-                      <a:solidFill>
-                        <a:schemeClr val="tx1"/>
-                      </a:solidFill>
-                      <a:prstDash val="solid"/>
-                      <a:round/>
-                      <a:headEnd type="none" w="med" len="med"/>
-                      <a:tailEnd type="none" w="med" len="med"/>
-                    </a:lnB>
-                  </a:tcPr>
-                </a:tc>
-                <a:tc rowSpan="2">
-                  <a:txBody>
-                    <a:bodyPr/>
-                    <a:lstStyle/>
-                    <a:p>
-                      <a:pPr latinLnBrk="1"/>
-                      <a:r>
-                        <a:rPr lang="ko-KR" altLang="en-US" sz="1400" b="1" dirty="0" err="1" smtClean="0">
-                          <a:latin typeface="+mn-ea"/>
-                          <a:ea typeface="+mn-ea"/>
-                        </a:rPr>
-                        <a:t>고객군</a:t>
-                      </a:r>
-                      <a:endParaRPr lang="en-US" altLang="ko-KR" sz="1400" b="0" dirty="0" smtClean="0">
-                        <a:latin typeface="+mn-ea"/>
-                        <a:ea typeface="+mn-ea"/>
-                      </a:endParaRPr>
-                    </a:p>
-                    <a:p>
-                      <a:pPr latinLnBrk="1"/>
-                      <a:endParaRPr lang="en-US" altLang="ko-KR" sz="1400" b="0" dirty="0" smtClean="0">
-                        <a:latin typeface="+mn-ea"/>
-                        <a:ea typeface="+mn-ea"/>
-                      </a:endParaRPr>
-                    </a:p>
-                    <a:p>
-                      <a:pPr latinLnBrk="1"/>
-                      <a:endParaRPr lang="en-US" altLang="ko-KR" sz="1400" b="0" dirty="0" smtClean="0">
-                        <a:latin typeface="+mn-ea"/>
-                        <a:ea typeface="+mn-ea"/>
-                      </a:endParaRPr>
-                    </a:p>
-                    <a:p>
-                      <a:pPr latinLnBrk="1"/>
-                      <a:endParaRPr lang="en-US" altLang="ko-KR" sz="1400" b="0" dirty="0" smtClean="0">
-                        <a:latin typeface="+mn-ea"/>
-                        <a:ea typeface="+mn-ea"/>
-                      </a:endParaRPr>
-                    </a:p>
-                    <a:p>
-                      <a:pPr latinLnBrk="1"/>
-                      <a:endParaRPr lang="en-US" altLang="ko-KR" sz="1400" b="0" dirty="0" smtClean="0">
-                        <a:latin typeface="+mn-ea"/>
-                        <a:ea typeface="+mn-ea"/>
-                      </a:endParaRPr>
-                    </a:p>
-                    <a:p>
-                      <a:pPr latinLnBrk="1"/>
-                      <a:endParaRPr lang="en-US" altLang="ko-KR" sz="1400" b="0" dirty="0" smtClean="0">
-                        <a:latin typeface="+mn-ea"/>
-                        <a:ea typeface="+mn-ea"/>
-                      </a:endParaRPr>
-                    </a:p>
-                    <a:p>
-                      <a:pPr latinLnBrk="1"/>
-                      <a:r>
-                        <a:rPr lang="ko-KR" altLang="en-US" sz="1400" b="1" dirty="0" err="1" smtClean="0">
-                          <a:latin typeface="+mn-ea"/>
-                          <a:ea typeface="+mn-ea"/>
-                        </a:rPr>
-                        <a:t>얼리어답터</a:t>
-                      </a:r>
-                      <a:endParaRPr lang="en-US" altLang="ko-KR" sz="1400" b="1" dirty="0" smtClean="0">
-                        <a:latin typeface="+mn-ea"/>
-                        <a:ea typeface="+mn-ea"/>
-                      </a:endParaRPr>
-                    </a:p>
-                  </a:txBody>
-                  <a:tcPr>
-                    <a:lnL w="3175" cap="flat" cmpd="sng" algn="ctr">
-                      <a:solidFill>
-                        <a:schemeClr val="tx1"/>
-                      </a:solidFill>
-                      <a:prstDash val="solid"/>
-                      <a:round/>
-                      <a:headEnd type="none" w="med" len="med"/>
-                      <a:tailEnd type="none" w="med" len="med"/>
-                    </a:lnL>
-                    <a:lnR w="3175" cap="flat" cmpd="sng" algn="ctr">
-                      <a:solidFill>
-                        <a:schemeClr val="tx1"/>
-                      </a:solidFill>
-                      <a:prstDash val="solid"/>
-                      <a:round/>
-                      <a:headEnd type="none" w="med" len="med"/>
-                      <a:tailEnd type="none" w="med" len="med"/>
-                    </a:lnR>
-                    <a:lnT w="3175" cap="flat" cmpd="sng" algn="ctr">
-                      <a:solidFill>
-                        <a:schemeClr val="tx1"/>
-                      </a:solidFill>
-                      <a:prstDash val="solid"/>
-                      <a:round/>
-                      <a:headEnd type="none" w="med" len="med"/>
-                      <a:tailEnd type="none" w="med" len="med"/>
-                    </a:lnT>
-                    <a:lnB w="3175" cap="flat" cmpd="sng" algn="ctr">
-                      <a:solidFill>
-                        <a:schemeClr val="tx1"/>
-                      </a:solidFill>
-                      <a:prstDash val="solid"/>
-                      <a:round/>
-                      <a:headEnd type="none" w="med" len="med"/>
-                      <a:tailEnd type="none" w="med" len="med"/>
-                    </a:lnB>
-                  </a:tcPr>
-                </a:tc>
-              </a:tr>
-              <a:tr h="1980221">
-                <a:tc vMerge="1">
-                  <a:txBody>
-                    <a:bodyPr/>
-                    <a:lstStyle/>
-                    <a:p>
-                      <a:pPr latinLnBrk="1"/>
-                      <a:endParaRPr lang="ko-KR" altLang="en-US" dirty="0"/>
-                    </a:p>
-                  </a:txBody>
-                  <a:tcPr>
-                    <a:lnL w="3175" cap="flat" cmpd="sng" algn="ctr">
-                      <a:solidFill>
-                        <a:schemeClr val="tx1"/>
-                      </a:solidFill>
-                      <a:prstDash val="solid"/>
-                      <a:round/>
-                      <a:headEnd type="none" w="med" len="med"/>
-                      <a:tailEnd type="none" w="med" len="med"/>
-                    </a:lnL>
-                    <a:lnR w="3175" cap="flat" cmpd="sng" algn="ctr">
-                      <a:solidFill>
-                        <a:schemeClr val="tx1"/>
-                      </a:solidFill>
-                      <a:prstDash val="solid"/>
-                      <a:round/>
-                      <a:headEnd type="none" w="med" len="med"/>
-                      <a:tailEnd type="none" w="med" len="med"/>
-                    </a:lnR>
-                    <a:lnT w="3175" cap="flat" cmpd="sng" algn="ctr">
-                      <a:solidFill>
-                        <a:schemeClr val="tx1"/>
-                      </a:solidFill>
-                      <a:prstDash val="solid"/>
-                      <a:round/>
-                      <a:headEnd type="none" w="med" len="med"/>
-                      <a:tailEnd type="none" w="med" len="med"/>
-                    </a:lnT>
-                    <a:lnB w="3175" cap="flat" cmpd="sng" algn="ctr">
-                      <a:solidFill>
-                        <a:schemeClr val="tx1"/>
-                      </a:solidFill>
-                      <a:prstDash val="solid"/>
-                      <a:round/>
-                      <a:headEnd type="none" w="med" len="med"/>
-                      <a:tailEnd type="none" w="med" len="med"/>
-                    </a:lnB>
-                  </a:tcPr>
-                </a:tc>
-                <a:tc>
-                  <a:txBody>
-                    <a:bodyPr/>
-                    <a:lstStyle/>
-                    <a:p>
-                      <a:pPr latinLnBrk="1"/>
-                      <a:r>
-                        <a:rPr lang="ko-KR" altLang="en-US" sz="1400" b="1" dirty="0" smtClean="0">
-                          <a:latin typeface="+mn-ea"/>
-                          <a:ea typeface="+mn-ea"/>
-                        </a:rPr>
-                        <a:t>핵심지표</a:t>
-                      </a:r>
-                      <a:endParaRPr lang="en-US" altLang="ko-KR" sz="1400" b="1" dirty="0" smtClean="0">
-                        <a:latin typeface="+mn-ea"/>
-                        <a:ea typeface="+mn-ea"/>
-                      </a:endParaRPr>
-                    </a:p>
-                  </a:txBody>
-                  <a:tcPr>
-                    <a:lnL w="3175" cap="flat" cmpd="sng" algn="ctr">
-                      <a:solidFill>
-                        <a:schemeClr val="tx1"/>
-                      </a:solidFill>
-                      <a:prstDash val="solid"/>
-                      <a:round/>
-                      <a:headEnd type="none" w="med" len="med"/>
-                      <a:tailEnd type="none" w="med" len="med"/>
-                    </a:lnL>
-                    <a:lnR w="3175" cap="flat" cmpd="sng" algn="ctr">
-                      <a:solidFill>
-                        <a:schemeClr val="tx1"/>
-                      </a:solidFill>
-                      <a:prstDash val="solid"/>
-                      <a:round/>
-                      <a:headEnd type="none" w="med" len="med"/>
-                      <a:tailEnd type="none" w="med" len="med"/>
-                    </a:lnR>
-                    <a:lnT w="3175" cap="flat" cmpd="sng" algn="ctr">
-                      <a:solidFill>
-                        <a:schemeClr val="tx1"/>
-                      </a:solidFill>
-                      <a:prstDash val="solid"/>
-                      <a:round/>
-                      <a:headEnd type="none" w="med" len="med"/>
-                      <a:tailEnd type="none" w="med" len="med"/>
-                    </a:lnT>
-                    <a:lnB w="3175" cap="flat" cmpd="sng" algn="ctr">
-                      <a:solidFill>
-                        <a:schemeClr val="tx1"/>
-                      </a:solidFill>
-                      <a:prstDash val="solid"/>
-                      <a:round/>
-                      <a:headEnd type="none" w="med" len="med"/>
-                      <a:tailEnd type="none" w="med" len="med"/>
-                    </a:lnB>
-                  </a:tcPr>
-                </a:tc>
-                <a:tc gridSpan="2" vMerge="1">
-                  <a:txBody>
-                    <a:bodyPr/>
-                    <a:lstStyle/>
-                    <a:p>
-                      <a:pPr latinLnBrk="1"/>
-                      <a:endParaRPr lang="ko-KR" altLang="en-US" dirty="0"/>
-                    </a:p>
-                  </a:txBody>
-                  <a:tcPr>
-                    <a:lnL w="3175" cap="flat" cmpd="sng" algn="ctr">
-                      <a:solidFill>
-                        <a:schemeClr val="tx1"/>
-                      </a:solidFill>
-                      <a:prstDash val="solid"/>
-                      <a:round/>
-                      <a:headEnd type="none" w="med" len="med"/>
-                      <a:tailEnd type="none" w="med" len="med"/>
-                    </a:lnL>
-                    <a:lnR w="3175" cap="flat" cmpd="sng" algn="ctr">
-                      <a:solidFill>
-                        <a:schemeClr val="tx1"/>
-                      </a:solidFill>
-                      <a:prstDash val="solid"/>
-                      <a:round/>
-                      <a:headEnd type="none" w="med" len="med"/>
-                      <a:tailEnd type="none" w="med" len="med"/>
-                    </a:lnR>
-                    <a:lnT w="3175" cap="flat" cmpd="sng" algn="ctr">
-                      <a:solidFill>
-                        <a:schemeClr val="tx1"/>
-                      </a:solidFill>
-                      <a:prstDash val="solid"/>
-                      <a:round/>
-                      <a:headEnd type="none" w="med" len="med"/>
-                      <a:tailEnd type="none" w="med" len="med"/>
-                    </a:lnT>
-                    <a:lnB w="3175" cap="flat" cmpd="sng" algn="ctr">
-                      <a:solidFill>
-                        <a:schemeClr val="tx1"/>
-                      </a:solidFill>
-                      <a:prstDash val="solid"/>
-                      <a:round/>
-                      <a:headEnd type="none" w="med" len="med"/>
-                      <a:tailEnd type="none" w="med" len="med"/>
-                    </a:lnB>
-                  </a:tcPr>
-                </a:tc>
-                <a:tc hMerge="1" vMerge="1">
-                  <a:txBody>
-                    <a:bodyPr/>
-                    <a:lstStyle/>
-                    <a:p>
-                      <a:pPr latinLnBrk="1"/>
-                      <a:endParaRPr lang="ko-KR" altLang="en-US"/>
-                    </a:p>
-                  </a:txBody>
-                  <a:tcPr/>
-                </a:tc>
-                <a:tc>
-                  <a:txBody>
-                    <a:bodyPr/>
-                    <a:lstStyle/>
-                    <a:p>
-                      <a:pPr latinLnBrk="1"/>
-                      <a:r>
-                        <a:rPr lang="ko-KR" altLang="en-US" sz="1400" b="1" dirty="0" smtClean="0">
-                          <a:latin typeface="+mn-ea"/>
-                          <a:ea typeface="+mn-ea"/>
-                        </a:rPr>
-                        <a:t>채널</a:t>
-                      </a:r>
-                      <a:endParaRPr lang="en-US" altLang="ko-KR" sz="1400" b="1" dirty="0" smtClean="0">
-                        <a:latin typeface="+mn-ea"/>
-                        <a:ea typeface="+mn-ea"/>
-                      </a:endParaRPr>
-                    </a:p>
-                  </a:txBody>
-                  <a:tcPr>
-                    <a:lnL w="3175" cap="flat" cmpd="sng" algn="ctr">
-                      <a:solidFill>
-                        <a:schemeClr val="tx1"/>
-                      </a:solidFill>
-                      <a:prstDash val="solid"/>
-                      <a:round/>
-                      <a:headEnd type="none" w="med" len="med"/>
-                      <a:tailEnd type="none" w="med" len="med"/>
-                    </a:lnL>
-                    <a:lnR w="3175" cap="flat" cmpd="sng" algn="ctr">
-                      <a:solidFill>
-                        <a:schemeClr val="tx1"/>
-                      </a:solidFill>
-                      <a:prstDash val="solid"/>
-                      <a:round/>
-                      <a:headEnd type="none" w="med" len="med"/>
-                      <a:tailEnd type="none" w="med" len="med"/>
-                    </a:lnR>
-                    <a:lnT w="3175" cap="flat" cmpd="sng" algn="ctr">
-                      <a:solidFill>
-                        <a:schemeClr val="tx1"/>
-                      </a:solidFill>
-                      <a:prstDash val="solid"/>
-                      <a:round/>
-                      <a:headEnd type="none" w="med" len="med"/>
-                      <a:tailEnd type="none" w="med" len="med"/>
-                    </a:lnT>
-                    <a:lnB w="3175" cap="flat" cmpd="sng" algn="ctr">
-                      <a:solidFill>
-                        <a:schemeClr val="tx1"/>
-                      </a:solidFill>
-                      <a:prstDash val="solid"/>
-                      <a:round/>
-                      <a:headEnd type="none" w="med" len="med"/>
-                      <a:tailEnd type="none" w="med" len="med"/>
-                    </a:lnB>
-                  </a:tcPr>
-                </a:tc>
-                <a:tc vMerge="1">
-                  <a:txBody>
-                    <a:bodyPr/>
-                    <a:lstStyle/>
-                    <a:p>
-                      <a:pPr latinLnBrk="1"/>
-                      <a:endParaRPr lang="ko-KR" altLang="en-US" dirty="0"/>
-                    </a:p>
-                  </a:txBody>
-                  <a:tcPr>
-                    <a:lnL w="3175" cap="flat" cmpd="sng" algn="ctr">
-                      <a:solidFill>
-                        <a:schemeClr val="tx1"/>
-                      </a:solidFill>
-                      <a:prstDash val="solid"/>
-                      <a:round/>
-                      <a:headEnd type="none" w="med" len="med"/>
-                      <a:tailEnd type="none" w="med" len="med"/>
-                    </a:lnL>
-                    <a:lnR w="3175" cap="flat" cmpd="sng" algn="ctr">
-                      <a:solidFill>
-                        <a:schemeClr val="tx1"/>
-                      </a:solidFill>
-                      <a:prstDash val="solid"/>
-                      <a:round/>
-                      <a:headEnd type="none" w="med" len="med"/>
-                      <a:tailEnd type="none" w="med" len="med"/>
-                    </a:lnR>
-                    <a:lnT w="3175" cap="flat" cmpd="sng" algn="ctr">
-                      <a:solidFill>
-                        <a:schemeClr val="tx1"/>
-                      </a:solidFill>
-                      <a:prstDash val="solid"/>
-                      <a:round/>
-                      <a:headEnd type="none" w="med" len="med"/>
-                      <a:tailEnd type="none" w="med" len="med"/>
-                    </a:lnT>
-                    <a:lnB w="3175" cap="flat" cmpd="sng" algn="ctr">
-                      <a:solidFill>
-                        <a:schemeClr val="tx1"/>
-                      </a:solidFill>
-                      <a:prstDash val="solid"/>
-                      <a:round/>
-                      <a:headEnd type="none" w="med" len="med"/>
-                      <a:tailEnd type="none" w="med" len="med"/>
-                    </a:lnB>
-                  </a:tcPr>
-                </a:tc>
-              </a:tr>
-              <a:tr h="1080119">
-                <a:tc gridSpan="3">
-                  <a:txBody>
-                    <a:bodyPr/>
-                    <a:lstStyle/>
-                    <a:p>
-                      <a:pPr latinLnBrk="1"/>
-                      <a:r>
-                        <a:rPr lang="ko-KR" altLang="en-US" sz="1400" b="1" dirty="0" smtClean="0">
-                          <a:latin typeface="+mn-ea"/>
-                          <a:ea typeface="+mn-ea"/>
-                        </a:rPr>
-                        <a:t>비용구조</a:t>
-                      </a:r>
-                      <a:endParaRPr lang="en-US" altLang="ko-KR" sz="1400" b="1" dirty="0" smtClean="0">
-                        <a:latin typeface="+mn-ea"/>
-                        <a:ea typeface="+mn-ea"/>
-                      </a:endParaRPr>
-                    </a:p>
-                  </a:txBody>
-                  <a:tcPr>
-                    <a:lnL w="3175" cap="flat" cmpd="sng" algn="ctr">
-                      <a:solidFill>
-                        <a:schemeClr val="tx1"/>
-                      </a:solidFill>
-                      <a:prstDash val="solid"/>
-                      <a:round/>
-                      <a:headEnd type="none" w="med" len="med"/>
-                      <a:tailEnd type="none" w="med" len="med"/>
-                    </a:lnL>
-                    <a:lnR w="3175" cap="flat" cmpd="sng" algn="ctr">
-                      <a:solidFill>
-                        <a:schemeClr val="tx1"/>
-                      </a:solidFill>
-                      <a:prstDash val="solid"/>
-                      <a:round/>
-                      <a:headEnd type="none" w="med" len="med"/>
-                      <a:tailEnd type="none" w="med" len="med"/>
-                    </a:lnR>
-                    <a:lnT w="3175" cap="flat" cmpd="sng" algn="ctr">
-                      <a:solidFill>
-                        <a:schemeClr val="tx1"/>
-                      </a:solidFill>
-                      <a:prstDash val="solid"/>
-                      <a:round/>
-                      <a:headEnd type="none" w="med" len="med"/>
-                      <a:tailEnd type="none" w="med" len="med"/>
-                    </a:lnT>
-                    <a:lnB w="3175" cap="flat" cmpd="sng" algn="ctr">
-                      <a:solidFill>
-                        <a:schemeClr val="tx1"/>
-                      </a:solidFill>
-                      <a:prstDash val="solid"/>
-                      <a:round/>
-                      <a:headEnd type="none" w="med" len="med"/>
-                      <a:tailEnd type="none" w="med" len="med"/>
-                    </a:lnB>
-                  </a:tcPr>
-                </a:tc>
-                <a:tc hMerge="1">
-                  <a:txBody>
-                    <a:bodyPr/>
-                    <a:lstStyle/>
-                    <a:p>
-                      <a:pPr latinLnBrk="1"/>
-                      <a:endParaRPr lang="ko-KR" altLang="en-US" dirty="0"/>
-                    </a:p>
-                  </a:txBody>
-                  <a:tcPr>
-                    <a:lnL w="3175" cap="flat" cmpd="sng" algn="ctr">
-                      <a:solidFill>
-                        <a:schemeClr val="tx1"/>
-                      </a:solidFill>
-                      <a:prstDash val="solid"/>
-                      <a:round/>
-                      <a:headEnd type="none" w="med" len="med"/>
-                      <a:tailEnd type="none" w="med" len="med"/>
-                    </a:lnL>
-                    <a:lnR w="3175" cap="flat" cmpd="sng" algn="ctr">
-                      <a:solidFill>
-                        <a:schemeClr val="tx1"/>
-                      </a:solidFill>
-                      <a:prstDash val="solid"/>
-                      <a:round/>
-                      <a:headEnd type="none" w="med" len="med"/>
-                      <a:tailEnd type="none" w="med" len="med"/>
-                    </a:lnR>
-                    <a:lnT w="3175" cap="flat" cmpd="sng" algn="ctr">
-                      <a:solidFill>
-                        <a:schemeClr val="tx1"/>
-                      </a:solidFill>
-                      <a:prstDash val="solid"/>
-                      <a:round/>
-                      <a:headEnd type="none" w="med" len="med"/>
-                      <a:tailEnd type="none" w="med" len="med"/>
-                    </a:lnT>
-                    <a:lnB w="3175" cap="flat" cmpd="sng" algn="ctr">
-                      <a:solidFill>
-                        <a:schemeClr val="tx1"/>
-                      </a:solidFill>
-                      <a:prstDash val="solid"/>
-                      <a:round/>
-                      <a:headEnd type="none" w="med" len="med"/>
-                      <a:tailEnd type="none" w="med" len="med"/>
-                    </a:lnB>
-                  </a:tcPr>
-                </a:tc>
-                <a:tc hMerge="1">
-                  <a:txBody>
-                    <a:bodyPr/>
-                    <a:lstStyle/>
-                    <a:p>
-                      <a:pPr latinLnBrk="1"/>
-                      <a:endParaRPr lang="ko-KR" altLang="en-US" dirty="0"/>
-                    </a:p>
-                  </a:txBody>
-                  <a:tcPr>
-                    <a:lnL w="3175" cap="flat" cmpd="sng" algn="ctr">
-                      <a:solidFill>
-                        <a:schemeClr val="tx1"/>
-                      </a:solidFill>
-                      <a:prstDash val="solid"/>
-                      <a:round/>
-                      <a:headEnd type="none" w="med" len="med"/>
-                      <a:tailEnd type="none" w="med" len="med"/>
-                    </a:lnL>
-                    <a:lnR w="3175" cap="flat" cmpd="sng" algn="ctr">
-                      <a:solidFill>
-                        <a:schemeClr val="tx1"/>
-                      </a:solidFill>
-                      <a:prstDash val="solid"/>
-                      <a:round/>
-                      <a:headEnd type="none" w="med" len="med"/>
-                      <a:tailEnd type="none" w="med" len="med"/>
-                    </a:lnR>
-                    <a:lnT w="3175" cap="flat" cmpd="sng" algn="ctr">
-                      <a:solidFill>
-                        <a:schemeClr val="tx1"/>
-                      </a:solidFill>
-                      <a:prstDash val="solid"/>
-                      <a:round/>
-                      <a:headEnd type="none" w="med" len="med"/>
-                      <a:tailEnd type="none" w="med" len="med"/>
-                    </a:lnT>
-                    <a:lnB w="3175" cap="flat" cmpd="sng" algn="ctr">
-                      <a:solidFill>
-                        <a:schemeClr val="tx1"/>
-                      </a:solidFill>
-                      <a:prstDash val="solid"/>
-                      <a:round/>
-                      <a:headEnd type="none" w="med" len="med"/>
-                      <a:tailEnd type="none" w="med" len="med"/>
-                    </a:lnB>
-                  </a:tcPr>
-                </a:tc>
-                <a:tc gridSpan="3">
-                  <a:txBody>
-                    <a:bodyPr/>
-                    <a:lstStyle/>
-                    <a:p>
-                      <a:pPr latinLnBrk="1"/>
-                      <a:r>
-                        <a:rPr lang="ko-KR" altLang="en-US" sz="1400" b="1" dirty="0" err="1" smtClean="0">
-                          <a:latin typeface="+mn-ea"/>
-                          <a:ea typeface="+mn-ea"/>
-                        </a:rPr>
-                        <a:t>수익원</a:t>
-                      </a:r>
-                      <a:endParaRPr lang="en-US" altLang="ko-KR" sz="1400" b="1" dirty="0" smtClean="0">
-                        <a:latin typeface="+mn-ea"/>
-                        <a:ea typeface="+mn-ea"/>
-                      </a:endParaRPr>
-                    </a:p>
-                  </a:txBody>
-                  <a:tcPr>
-                    <a:lnL w="3175" cap="flat" cmpd="sng" algn="ctr">
-                      <a:solidFill>
-                        <a:schemeClr val="tx1"/>
-                      </a:solidFill>
-                      <a:prstDash val="solid"/>
-                      <a:round/>
-                      <a:headEnd type="none" w="med" len="med"/>
-                      <a:tailEnd type="none" w="med" len="med"/>
-                    </a:lnL>
-                    <a:lnR w="3175" cap="flat" cmpd="sng" algn="ctr">
-                      <a:solidFill>
-                        <a:schemeClr val="tx1"/>
-                      </a:solidFill>
-                      <a:prstDash val="solid"/>
-                      <a:round/>
-                      <a:headEnd type="none" w="med" len="med"/>
-                      <a:tailEnd type="none" w="med" len="med"/>
-                    </a:lnR>
-                    <a:lnT w="3175" cap="flat" cmpd="sng" algn="ctr">
-                      <a:solidFill>
-                        <a:schemeClr val="tx1"/>
-                      </a:solidFill>
-                      <a:prstDash val="solid"/>
-                      <a:round/>
-                      <a:headEnd type="none" w="med" len="med"/>
-                      <a:tailEnd type="none" w="med" len="med"/>
-                    </a:lnT>
-                    <a:lnB w="3175" cap="flat" cmpd="sng" algn="ctr">
-                      <a:solidFill>
-                        <a:schemeClr val="tx1"/>
-                      </a:solidFill>
-                      <a:prstDash val="solid"/>
-                      <a:round/>
-                      <a:headEnd type="none" w="med" len="med"/>
-                      <a:tailEnd type="none" w="med" len="med"/>
-                    </a:lnB>
-                  </a:tcPr>
-                </a:tc>
-                <a:tc hMerge="1">
-                  <a:txBody>
-                    <a:bodyPr/>
-                    <a:lstStyle/>
-                    <a:p>
-                      <a:pPr latinLnBrk="1"/>
-                      <a:endParaRPr lang="ko-KR" altLang="en-US" dirty="0"/>
-                    </a:p>
-                  </a:txBody>
-                  <a:tcPr>
-                    <a:lnL w="3175" cap="flat" cmpd="sng" algn="ctr">
-                      <a:solidFill>
-                        <a:schemeClr val="tx1"/>
-                      </a:solidFill>
-                      <a:prstDash val="solid"/>
-                      <a:round/>
-                      <a:headEnd type="none" w="med" len="med"/>
-                      <a:tailEnd type="none" w="med" len="med"/>
-                    </a:lnL>
-                    <a:lnR w="3175" cap="flat" cmpd="sng" algn="ctr">
-                      <a:solidFill>
-                        <a:schemeClr val="tx1"/>
-                      </a:solidFill>
-                      <a:prstDash val="solid"/>
-                      <a:round/>
-                      <a:headEnd type="none" w="med" len="med"/>
-                      <a:tailEnd type="none" w="med" len="med"/>
-                    </a:lnR>
-                    <a:lnT w="3175" cap="flat" cmpd="sng" algn="ctr">
-                      <a:solidFill>
-                        <a:schemeClr val="tx1"/>
-                      </a:solidFill>
-                      <a:prstDash val="solid"/>
-                      <a:round/>
-                      <a:headEnd type="none" w="med" len="med"/>
-                      <a:tailEnd type="none" w="med" len="med"/>
-                    </a:lnT>
-                    <a:lnB w="3175" cap="flat" cmpd="sng" algn="ctr">
-                      <a:solidFill>
-                        <a:schemeClr val="tx1"/>
-                      </a:solidFill>
-                      <a:prstDash val="solid"/>
-                      <a:round/>
-                      <a:headEnd type="none" w="med" len="med"/>
-                      <a:tailEnd type="none" w="med" len="med"/>
-                    </a:lnB>
-                  </a:tcPr>
-                </a:tc>
-                <a:tc hMerge="1">
-                  <a:txBody>
-                    <a:bodyPr/>
-                    <a:lstStyle/>
-                    <a:p>
-                      <a:pPr latinLnBrk="1"/>
-                      <a:endParaRPr lang="ko-KR" altLang="en-US" dirty="0"/>
-                    </a:p>
-                  </a:txBody>
-                  <a:tcPr>
-                    <a:lnL w="3175" cap="flat" cmpd="sng" algn="ctr">
-                      <a:solidFill>
-                        <a:schemeClr val="tx1"/>
-                      </a:solidFill>
-                      <a:prstDash val="solid"/>
-                      <a:round/>
-                      <a:headEnd type="none" w="med" len="med"/>
-                      <a:tailEnd type="none" w="med" len="med"/>
-                    </a:lnL>
-                    <a:lnR w="3175" cap="flat" cmpd="sng" algn="ctr">
-                      <a:solidFill>
-                        <a:schemeClr val="tx1"/>
-                      </a:solidFill>
-                      <a:prstDash val="solid"/>
-                      <a:round/>
-                      <a:headEnd type="none" w="med" len="med"/>
-                      <a:tailEnd type="none" w="med" len="med"/>
-                    </a:lnR>
-                    <a:lnT w="3175" cap="flat" cmpd="sng" algn="ctr">
-                      <a:solidFill>
-                        <a:schemeClr val="tx1"/>
-                      </a:solidFill>
-                      <a:prstDash val="solid"/>
-                      <a:round/>
-                      <a:headEnd type="none" w="med" len="med"/>
-                      <a:tailEnd type="none" w="med" len="med"/>
-                    </a:lnT>
-                    <a:lnB w="3175" cap="flat" cmpd="sng" algn="ctr">
-                      <a:solidFill>
-                        <a:schemeClr val="tx1"/>
-                      </a:solidFill>
-                      <a:prstDash val="solid"/>
-                      <a:round/>
-                      <a:headEnd type="none" w="med" len="med"/>
-                      <a:tailEnd type="none" w="med" len="med"/>
-                    </a:lnB>
-                  </a:tcPr>
-                </a:tc>
-              </a:tr>
-            </a:tbl>
-          </a:graphicData>
-        </a:graphic>
-      </p:graphicFrame>
-    </p:spTree>
-    <p:extLst>
-      <p:ext uri="{BB962C8B-B14F-4D97-AF65-F5344CB8AC3E}">
-        <p14:creationId xmlns="" xmlns:p14="http://schemas.microsoft.com/office/powerpoint/2010/main" val="511367093"/>
+        <p14:creationId xmlns:p14="http://schemas.microsoft.com/office/powerpoint/2010/main" xmlns="" val="511367093"/>
       </p:ext>
     </p:extLst>
   </p:cSld>
